--- a/ppt 16-9/1491.救恩丰满.pptx
+++ b/ppt 16-9/1491.救恩丰满.pptx
@@ -5,7 +5,7 @@
     <p:sldMasterId id="2147483648" r:id="rId1"/>
   </p:sldMasterIdLst>
   <p:sldIdLst>
-    <p:sldId id="1065" r:id="rId2"/>
+    <p:sldId id="1066" r:id="rId2"/>
   </p:sldIdLst>
   <p:sldSz cx="12192000" cy="6858000"/>
   <p:notesSz cx="6858000" cy="9144000"/>
@@ -129,7 +129,7 @@
           <p:cNvPr id="2" name="标题 1">
             <a:extLst>
               <a:ext uri="{FF2B5EF4-FFF2-40B4-BE49-F238E27FC236}">
-                <a16:creationId xmlns:a16="http://schemas.microsoft.com/office/drawing/2014/main" id="{745FE512-FA52-25A4-7933-341382D29A6D}"/>
+                <a16:creationId xmlns:a16="http://schemas.microsoft.com/office/drawing/2014/main" id="{CA256854-7024-D065-7D2F-68FCE20EAD75}"/>
               </a:ext>
             </a:extLst>
           </p:cNvPr>
@@ -166,7 +166,7 @@
           <p:cNvPr id="3" name="副标题 2">
             <a:extLst>
               <a:ext uri="{FF2B5EF4-FFF2-40B4-BE49-F238E27FC236}">
-                <a16:creationId xmlns:a16="http://schemas.microsoft.com/office/drawing/2014/main" id="{064ABD5F-BACC-744B-3EBD-4381334074E1}"/>
+                <a16:creationId xmlns:a16="http://schemas.microsoft.com/office/drawing/2014/main" id="{8836F33C-6BB7-8D98-2A7F-ABD3B5F0C88A}"/>
               </a:ext>
             </a:extLst>
           </p:cNvPr>
@@ -236,7 +236,7 @@
           <p:cNvPr id="4" name="日期占位符 3">
             <a:extLst>
               <a:ext uri="{FF2B5EF4-FFF2-40B4-BE49-F238E27FC236}">
-                <a16:creationId xmlns:a16="http://schemas.microsoft.com/office/drawing/2014/main" id="{C7D238F0-4603-E8DC-D674-85C6CE6B8E6B}"/>
+                <a16:creationId xmlns:a16="http://schemas.microsoft.com/office/drawing/2014/main" id="{00D957BA-AD90-0152-6560-683D372960CA}"/>
               </a:ext>
             </a:extLst>
           </p:cNvPr>
@@ -252,7 +252,7 @@
           <a:bodyPr/>
           <a:lstStyle/>
           <a:p>
-            <a:fld id="{14F5FF05-E940-48E2-9459-CEB2004508D6}" type="datetimeFigureOut">
+            <a:fld id="{361F317A-CB4F-45EB-81F5-EDB89538586F}" type="datetimeFigureOut">
               <a:rPr lang="zh-CN" altLang="en-US" smtClean="0"/>
               <a:t>2024/3/10</a:t>
             </a:fld>
@@ -265,7 +265,7 @@
           <p:cNvPr id="5" name="页脚占位符 4">
             <a:extLst>
               <a:ext uri="{FF2B5EF4-FFF2-40B4-BE49-F238E27FC236}">
-                <a16:creationId xmlns:a16="http://schemas.microsoft.com/office/drawing/2014/main" id="{E6239141-C94E-2797-17B5-A93478F723A0}"/>
+                <a16:creationId xmlns:a16="http://schemas.microsoft.com/office/drawing/2014/main" id="{54810413-3A7A-FB8A-FC84-985C1150ADE8}"/>
               </a:ext>
             </a:extLst>
           </p:cNvPr>
@@ -290,7 +290,7 @@
           <p:cNvPr id="6" name="灯片编号占位符 5">
             <a:extLst>
               <a:ext uri="{FF2B5EF4-FFF2-40B4-BE49-F238E27FC236}">
-                <a16:creationId xmlns:a16="http://schemas.microsoft.com/office/drawing/2014/main" id="{EADAA582-3BD7-B80D-CB3A-A8984D88E3A2}"/>
+                <a16:creationId xmlns:a16="http://schemas.microsoft.com/office/drawing/2014/main" id="{4ABF40F5-B723-3523-9636-11176699ADF5}"/>
               </a:ext>
             </a:extLst>
           </p:cNvPr>
@@ -306,7 +306,7 @@
           <a:bodyPr/>
           <a:lstStyle/>
           <a:p>
-            <a:fld id="{559A1AD9-166B-49A6-B269-371F980C656F}" type="slidenum">
+            <a:fld id="{A43E1136-438F-4BF7-8D2A-A9583C8CF03C}" type="slidenum">
               <a:rPr lang="zh-CN" altLang="en-US" smtClean="0"/>
               <a:t>‹#›</a:t>
             </a:fld>
@@ -317,7 +317,7 @@
     </p:spTree>
     <p:extLst>
       <p:ext uri="{BB962C8B-B14F-4D97-AF65-F5344CB8AC3E}">
-        <p14:creationId xmlns:p14="http://schemas.microsoft.com/office/powerpoint/2010/main" val="1004867210"/>
+        <p14:creationId xmlns:p14="http://schemas.microsoft.com/office/powerpoint/2010/main" val="2309781006"/>
       </p:ext>
     </p:extLst>
   </p:cSld>
@@ -349,7 +349,7 @@
           <p:cNvPr id="2" name="标题 1">
             <a:extLst>
               <a:ext uri="{FF2B5EF4-FFF2-40B4-BE49-F238E27FC236}">
-                <a16:creationId xmlns:a16="http://schemas.microsoft.com/office/drawing/2014/main" id="{BCF3F04F-01B8-733C-4F7A-7791E178073D}"/>
+                <a16:creationId xmlns:a16="http://schemas.microsoft.com/office/drawing/2014/main" id="{A004E076-4DC4-F0BC-E3E4-F077163FC7C7}"/>
               </a:ext>
             </a:extLst>
           </p:cNvPr>
@@ -377,7 +377,7 @@
           <p:cNvPr id="3" name="竖排文字占位符 2">
             <a:extLst>
               <a:ext uri="{FF2B5EF4-FFF2-40B4-BE49-F238E27FC236}">
-                <a16:creationId xmlns:a16="http://schemas.microsoft.com/office/drawing/2014/main" id="{6CA7FBDE-C128-2BB2-7F1D-9F333DCA16BD}"/>
+                <a16:creationId xmlns:a16="http://schemas.microsoft.com/office/drawing/2014/main" id="{8A85DC45-6EF2-3ACD-476B-55585D3BF752}"/>
               </a:ext>
             </a:extLst>
           </p:cNvPr>
@@ -434,7 +434,7 @@
           <p:cNvPr id="4" name="日期占位符 3">
             <a:extLst>
               <a:ext uri="{FF2B5EF4-FFF2-40B4-BE49-F238E27FC236}">
-                <a16:creationId xmlns:a16="http://schemas.microsoft.com/office/drawing/2014/main" id="{BCA6BEA0-4F1C-3F03-F3FA-50464EE385D2}"/>
+                <a16:creationId xmlns:a16="http://schemas.microsoft.com/office/drawing/2014/main" id="{09235700-0377-3738-8F76-BFAD381078F7}"/>
               </a:ext>
             </a:extLst>
           </p:cNvPr>
@@ -450,7 +450,7 @@
           <a:bodyPr/>
           <a:lstStyle/>
           <a:p>
-            <a:fld id="{14F5FF05-E940-48E2-9459-CEB2004508D6}" type="datetimeFigureOut">
+            <a:fld id="{361F317A-CB4F-45EB-81F5-EDB89538586F}" type="datetimeFigureOut">
               <a:rPr lang="zh-CN" altLang="en-US" smtClean="0"/>
               <a:t>2024/3/10</a:t>
             </a:fld>
@@ -463,7 +463,7 @@
           <p:cNvPr id="5" name="页脚占位符 4">
             <a:extLst>
               <a:ext uri="{FF2B5EF4-FFF2-40B4-BE49-F238E27FC236}">
-                <a16:creationId xmlns:a16="http://schemas.microsoft.com/office/drawing/2014/main" id="{8B6568AF-5F46-B6EB-D9D8-17CEB56FA385}"/>
+                <a16:creationId xmlns:a16="http://schemas.microsoft.com/office/drawing/2014/main" id="{7FB3F67A-3DB7-F22F-7826-BFA57907550E}"/>
               </a:ext>
             </a:extLst>
           </p:cNvPr>
@@ -488,7 +488,7 @@
           <p:cNvPr id="6" name="灯片编号占位符 5">
             <a:extLst>
               <a:ext uri="{FF2B5EF4-FFF2-40B4-BE49-F238E27FC236}">
-                <a16:creationId xmlns:a16="http://schemas.microsoft.com/office/drawing/2014/main" id="{6B617E61-DB25-A6D0-8C17-2212438BA28A}"/>
+                <a16:creationId xmlns:a16="http://schemas.microsoft.com/office/drawing/2014/main" id="{AC54B603-1F32-3211-2A96-D9C0860CCD28}"/>
               </a:ext>
             </a:extLst>
           </p:cNvPr>
@@ -504,7 +504,7 @@
           <a:bodyPr/>
           <a:lstStyle/>
           <a:p>
-            <a:fld id="{559A1AD9-166B-49A6-B269-371F980C656F}" type="slidenum">
+            <a:fld id="{A43E1136-438F-4BF7-8D2A-A9583C8CF03C}" type="slidenum">
               <a:rPr lang="zh-CN" altLang="en-US" smtClean="0"/>
               <a:t>‹#›</a:t>
             </a:fld>
@@ -515,7 +515,7 @@
     </p:spTree>
     <p:extLst>
       <p:ext uri="{BB962C8B-B14F-4D97-AF65-F5344CB8AC3E}">
-        <p14:creationId xmlns:p14="http://schemas.microsoft.com/office/powerpoint/2010/main" val="3321800317"/>
+        <p14:creationId xmlns:p14="http://schemas.microsoft.com/office/powerpoint/2010/main" val="1357204631"/>
       </p:ext>
     </p:extLst>
   </p:cSld>
@@ -547,7 +547,7 @@
           <p:cNvPr id="2" name="竖排标题 1">
             <a:extLst>
               <a:ext uri="{FF2B5EF4-FFF2-40B4-BE49-F238E27FC236}">
-                <a16:creationId xmlns:a16="http://schemas.microsoft.com/office/drawing/2014/main" id="{B551393D-02D6-6E0C-7314-C25C00F94733}"/>
+                <a16:creationId xmlns:a16="http://schemas.microsoft.com/office/drawing/2014/main" id="{BE6F5028-C6D2-7AC4-C6CE-4BA28B054678}"/>
               </a:ext>
             </a:extLst>
           </p:cNvPr>
@@ -580,7 +580,7 @@
           <p:cNvPr id="3" name="竖排文字占位符 2">
             <a:extLst>
               <a:ext uri="{FF2B5EF4-FFF2-40B4-BE49-F238E27FC236}">
-                <a16:creationId xmlns:a16="http://schemas.microsoft.com/office/drawing/2014/main" id="{4897F291-4323-9E65-B8DC-50D59E7EC2C8}"/>
+                <a16:creationId xmlns:a16="http://schemas.microsoft.com/office/drawing/2014/main" id="{8555E078-B37D-D3F9-01A5-24FCF6595889}"/>
               </a:ext>
             </a:extLst>
           </p:cNvPr>
@@ -642,7 +642,7 @@
           <p:cNvPr id="4" name="日期占位符 3">
             <a:extLst>
               <a:ext uri="{FF2B5EF4-FFF2-40B4-BE49-F238E27FC236}">
-                <a16:creationId xmlns:a16="http://schemas.microsoft.com/office/drawing/2014/main" id="{BBF84919-723A-8DF1-B95E-C6CDEDE4F0D4}"/>
+                <a16:creationId xmlns:a16="http://schemas.microsoft.com/office/drawing/2014/main" id="{EF68E7B8-8774-83B7-D7FA-D60BC8663726}"/>
               </a:ext>
             </a:extLst>
           </p:cNvPr>
@@ -658,7 +658,7 @@
           <a:bodyPr/>
           <a:lstStyle/>
           <a:p>
-            <a:fld id="{14F5FF05-E940-48E2-9459-CEB2004508D6}" type="datetimeFigureOut">
+            <a:fld id="{361F317A-CB4F-45EB-81F5-EDB89538586F}" type="datetimeFigureOut">
               <a:rPr lang="zh-CN" altLang="en-US" smtClean="0"/>
               <a:t>2024/3/10</a:t>
             </a:fld>
@@ -671,7 +671,7 @@
           <p:cNvPr id="5" name="页脚占位符 4">
             <a:extLst>
               <a:ext uri="{FF2B5EF4-FFF2-40B4-BE49-F238E27FC236}">
-                <a16:creationId xmlns:a16="http://schemas.microsoft.com/office/drawing/2014/main" id="{CDF54992-C085-07AE-4D90-941B6533B216}"/>
+                <a16:creationId xmlns:a16="http://schemas.microsoft.com/office/drawing/2014/main" id="{39542377-E362-3DE0-D47B-846A929BB321}"/>
               </a:ext>
             </a:extLst>
           </p:cNvPr>
@@ -696,7 +696,7 @@
           <p:cNvPr id="6" name="灯片编号占位符 5">
             <a:extLst>
               <a:ext uri="{FF2B5EF4-FFF2-40B4-BE49-F238E27FC236}">
-                <a16:creationId xmlns:a16="http://schemas.microsoft.com/office/drawing/2014/main" id="{AF033F08-0B7C-A4B6-3511-90305AF6F304}"/>
+                <a16:creationId xmlns:a16="http://schemas.microsoft.com/office/drawing/2014/main" id="{E9792664-AFDF-A0A5-637C-FB565D8DD24B}"/>
               </a:ext>
             </a:extLst>
           </p:cNvPr>
@@ -712,7 +712,7 @@
           <a:bodyPr/>
           <a:lstStyle/>
           <a:p>
-            <a:fld id="{559A1AD9-166B-49A6-B269-371F980C656F}" type="slidenum">
+            <a:fld id="{A43E1136-438F-4BF7-8D2A-A9583C8CF03C}" type="slidenum">
               <a:rPr lang="zh-CN" altLang="en-US" smtClean="0"/>
               <a:t>‹#›</a:t>
             </a:fld>
@@ -723,7 +723,7 @@
     </p:spTree>
     <p:extLst>
       <p:ext uri="{BB962C8B-B14F-4D97-AF65-F5344CB8AC3E}">
-        <p14:creationId xmlns:p14="http://schemas.microsoft.com/office/powerpoint/2010/main" val="2622182399"/>
+        <p14:creationId xmlns:p14="http://schemas.microsoft.com/office/powerpoint/2010/main" val="3735909056"/>
       </p:ext>
     </p:extLst>
   </p:cSld>
@@ -755,7 +755,7 @@
           <p:cNvPr id="2" name="标题 1">
             <a:extLst>
               <a:ext uri="{FF2B5EF4-FFF2-40B4-BE49-F238E27FC236}">
-                <a16:creationId xmlns:a16="http://schemas.microsoft.com/office/drawing/2014/main" id="{BBA2085F-2B14-DE8D-CFB9-B167821FA240}"/>
+                <a16:creationId xmlns:a16="http://schemas.microsoft.com/office/drawing/2014/main" id="{6C800700-E7A7-5C41-45F8-471DDCA77D90}"/>
               </a:ext>
             </a:extLst>
           </p:cNvPr>
@@ -783,7 +783,7 @@
           <p:cNvPr id="3" name="内容占位符 2">
             <a:extLst>
               <a:ext uri="{FF2B5EF4-FFF2-40B4-BE49-F238E27FC236}">
-                <a16:creationId xmlns:a16="http://schemas.microsoft.com/office/drawing/2014/main" id="{205F41D0-EF42-7EC6-D740-BF33FECAC914}"/>
+                <a16:creationId xmlns:a16="http://schemas.microsoft.com/office/drawing/2014/main" id="{44B11229-B278-DB85-3B1A-89532AEF797E}"/>
               </a:ext>
             </a:extLst>
           </p:cNvPr>
@@ -840,7 +840,7 @@
           <p:cNvPr id="4" name="日期占位符 3">
             <a:extLst>
               <a:ext uri="{FF2B5EF4-FFF2-40B4-BE49-F238E27FC236}">
-                <a16:creationId xmlns:a16="http://schemas.microsoft.com/office/drawing/2014/main" id="{22550085-600A-1EB0-45DD-D0730E2F9DE2}"/>
+                <a16:creationId xmlns:a16="http://schemas.microsoft.com/office/drawing/2014/main" id="{60567E64-B9FD-85B1-26BE-91A20CB61FD3}"/>
               </a:ext>
             </a:extLst>
           </p:cNvPr>
@@ -856,7 +856,7 @@
           <a:bodyPr/>
           <a:lstStyle/>
           <a:p>
-            <a:fld id="{14F5FF05-E940-48E2-9459-CEB2004508D6}" type="datetimeFigureOut">
+            <a:fld id="{361F317A-CB4F-45EB-81F5-EDB89538586F}" type="datetimeFigureOut">
               <a:rPr lang="zh-CN" altLang="en-US" smtClean="0"/>
               <a:t>2024/3/10</a:t>
             </a:fld>
@@ -869,7 +869,7 @@
           <p:cNvPr id="5" name="页脚占位符 4">
             <a:extLst>
               <a:ext uri="{FF2B5EF4-FFF2-40B4-BE49-F238E27FC236}">
-                <a16:creationId xmlns:a16="http://schemas.microsoft.com/office/drawing/2014/main" id="{33576BF8-AEB9-EF37-5769-393803993510}"/>
+                <a16:creationId xmlns:a16="http://schemas.microsoft.com/office/drawing/2014/main" id="{CD0780F0-12BE-959B-6DA8-F90AB1075BCD}"/>
               </a:ext>
             </a:extLst>
           </p:cNvPr>
@@ -894,7 +894,7 @@
           <p:cNvPr id="6" name="灯片编号占位符 5">
             <a:extLst>
               <a:ext uri="{FF2B5EF4-FFF2-40B4-BE49-F238E27FC236}">
-                <a16:creationId xmlns:a16="http://schemas.microsoft.com/office/drawing/2014/main" id="{D250DA03-60B5-2EFB-E559-276FBC1901FA}"/>
+                <a16:creationId xmlns:a16="http://schemas.microsoft.com/office/drawing/2014/main" id="{A9F3E6A9-2258-27C0-5C4C-C363E842E6CB}"/>
               </a:ext>
             </a:extLst>
           </p:cNvPr>
@@ -910,7 +910,7 @@
           <a:bodyPr/>
           <a:lstStyle/>
           <a:p>
-            <a:fld id="{559A1AD9-166B-49A6-B269-371F980C656F}" type="slidenum">
+            <a:fld id="{A43E1136-438F-4BF7-8D2A-A9583C8CF03C}" type="slidenum">
               <a:rPr lang="zh-CN" altLang="en-US" smtClean="0"/>
               <a:t>‹#›</a:t>
             </a:fld>
@@ -921,7 +921,7 @@
     </p:spTree>
     <p:extLst>
       <p:ext uri="{BB962C8B-B14F-4D97-AF65-F5344CB8AC3E}">
-        <p14:creationId xmlns:p14="http://schemas.microsoft.com/office/powerpoint/2010/main" val="4069717968"/>
+        <p14:creationId xmlns:p14="http://schemas.microsoft.com/office/powerpoint/2010/main" val="4058368502"/>
       </p:ext>
     </p:extLst>
   </p:cSld>
@@ -953,7 +953,7 @@
           <p:cNvPr id="2" name="标题 1">
             <a:extLst>
               <a:ext uri="{FF2B5EF4-FFF2-40B4-BE49-F238E27FC236}">
-                <a16:creationId xmlns:a16="http://schemas.microsoft.com/office/drawing/2014/main" id="{DC6D4ADE-66CA-B345-774D-75328A6360D5}"/>
+                <a16:creationId xmlns:a16="http://schemas.microsoft.com/office/drawing/2014/main" id="{184F8ED6-EC7B-CA58-8AA5-49E197E36DDC}"/>
               </a:ext>
             </a:extLst>
           </p:cNvPr>
@@ -990,7 +990,7 @@
           <p:cNvPr id="3" name="文本占位符 2">
             <a:extLst>
               <a:ext uri="{FF2B5EF4-FFF2-40B4-BE49-F238E27FC236}">
-                <a16:creationId xmlns:a16="http://schemas.microsoft.com/office/drawing/2014/main" id="{D0C06131-2D48-76A6-C04F-86DA7F1FCC37}"/>
+                <a16:creationId xmlns:a16="http://schemas.microsoft.com/office/drawing/2014/main" id="{2D2D2415-4F13-6E0E-E0C3-7D8D4098E1F8}"/>
               </a:ext>
             </a:extLst>
           </p:cNvPr>
@@ -1115,7 +1115,7 @@
           <p:cNvPr id="4" name="日期占位符 3">
             <a:extLst>
               <a:ext uri="{FF2B5EF4-FFF2-40B4-BE49-F238E27FC236}">
-                <a16:creationId xmlns:a16="http://schemas.microsoft.com/office/drawing/2014/main" id="{51D993CB-52BC-D95E-E1AC-710E16D67671}"/>
+                <a16:creationId xmlns:a16="http://schemas.microsoft.com/office/drawing/2014/main" id="{E548E813-0566-4F0C-26D6-F0D7C3903F6C}"/>
               </a:ext>
             </a:extLst>
           </p:cNvPr>
@@ -1131,7 +1131,7 @@
           <a:bodyPr/>
           <a:lstStyle/>
           <a:p>
-            <a:fld id="{14F5FF05-E940-48E2-9459-CEB2004508D6}" type="datetimeFigureOut">
+            <a:fld id="{361F317A-CB4F-45EB-81F5-EDB89538586F}" type="datetimeFigureOut">
               <a:rPr lang="zh-CN" altLang="en-US" smtClean="0"/>
               <a:t>2024/3/10</a:t>
             </a:fld>
@@ -1144,7 +1144,7 @@
           <p:cNvPr id="5" name="页脚占位符 4">
             <a:extLst>
               <a:ext uri="{FF2B5EF4-FFF2-40B4-BE49-F238E27FC236}">
-                <a16:creationId xmlns:a16="http://schemas.microsoft.com/office/drawing/2014/main" id="{10FF5FAD-6E17-621C-5093-DF6E0BB361D4}"/>
+                <a16:creationId xmlns:a16="http://schemas.microsoft.com/office/drawing/2014/main" id="{C2FE3E8E-F0B3-BA3A-5486-1CEA9FAFF02A}"/>
               </a:ext>
             </a:extLst>
           </p:cNvPr>
@@ -1169,7 +1169,7 @@
           <p:cNvPr id="6" name="灯片编号占位符 5">
             <a:extLst>
               <a:ext uri="{FF2B5EF4-FFF2-40B4-BE49-F238E27FC236}">
-                <a16:creationId xmlns:a16="http://schemas.microsoft.com/office/drawing/2014/main" id="{D907211A-4D00-3E1F-AD6C-552C1EAD01F0}"/>
+                <a16:creationId xmlns:a16="http://schemas.microsoft.com/office/drawing/2014/main" id="{32996042-C09D-A3A0-1AFB-0968DD44CCC8}"/>
               </a:ext>
             </a:extLst>
           </p:cNvPr>
@@ -1185,7 +1185,7 @@
           <a:bodyPr/>
           <a:lstStyle/>
           <a:p>
-            <a:fld id="{559A1AD9-166B-49A6-B269-371F980C656F}" type="slidenum">
+            <a:fld id="{A43E1136-438F-4BF7-8D2A-A9583C8CF03C}" type="slidenum">
               <a:rPr lang="zh-CN" altLang="en-US" smtClean="0"/>
               <a:t>‹#›</a:t>
             </a:fld>
@@ -1196,7 +1196,7 @@
     </p:spTree>
     <p:extLst>
       <p:ext uri="{BB962C8B-B14F-4D97-AF65-F5344CB8AC3E}">
-        <p14:creationId xmlns:p14="http://schemas.microsoft.com/office/powerpoint/2010/main" val="96554736"/>
+        <p14:creationId xmlns:p14="http://schemas.microsoft.com/office/powerpoint/2010/main" val="2820007337"/>
       </p:ext>
     </p:extLst>
   </p:cSld>
@@ -1228,7 +1228,7 @@
           <p:cNvPr id="2" name="标题 1">
             <a:extLst>
               <a:ext uri="{FF2B5EF4-FFF2-40B4-BE49-F238E27FC236}">
-                <a16:creationId xmlns:a16="http://schemas.microsoft.com/office/drawing/2014/main" id="{C674C4EE-E886-7CED-8ED9-E02BDB4D7727}"/>
+                <a16:creationId xmlns:a16="http://schemas.microsoft.com/office/drawing/2014/main" id="{FA7EEAA6-0F44-AE0C-79F8-CEDD1418B752}"/>
               </a:ext>
             </a:extLst>
           </p:cNvPr>
@@ -1256,7 +1256,7 @@
           <p:cNvPr id="3" name="内容占位符 2">
             <a:extLst>
               <a:ext uri="{FF2B5EF4-FFF2-40B4-BE49-F238E27FC236}">
-                <a16:creationId xmlns:a16="http://schemas.microsoft.com/office/drawing/2014/main" id="{7571B160-E6B3-D8FE-0B03-477DFC80B5FD}"/>
+                <a16:creationId xmlns:a16="http://schemas.microsoft.com/office/drawing/2014/main" id="{2CD31FA3-A259-DF36-8F82-E1BAAFDD9C17}"/>
               </a:ext>
             </a:extLst>
           </p:cNvPr>
@@ -1318,7 +1318,7 @@
           <p:cNvPr id="4" name="内容占位符 3">
             <a:extLst>
               <a:ext uri="{FF2B5EF4-FFF2-40B4-BE49-F238E27FC236}">
-                <a16:creationId xmlns:a16="http://schemas.microsoft.com/office/drawing/2014/main" id="{BB42C111-86F2-7FD9-6DF9-A134D32EFA30}"/>
+                <a16:creationId xmlns:a16="http://schemas.microsoft.com/office/drawing/2014/main" id="{49610E64-3CF4-88CF-1C90-8E522F48B119}"/>
               </a:ext>
             </a:extLst>
           </p:cNvPr>
@@ -1380,7 +1380,7 @@
           <p:cNvPr id="5" name="日期占位符 4">
             <a:extLst>
               <a:ext uri="{FF2B5EF4-FFF2-40B4-BE49-F238E27FC236}">
-                <a16:creationId xmlns:a16="http://schemas.microsoft.com/office/drawing/2014/main" id="{2948A41A-E056-592F-25F6-9BFECF422CC1}"/>
+                <a16:creationId xmlns:a16="http://schemas.microsoft.com/office/drawing/2014/main" id="{EB71A85A-A591-E3A8-C9B1-E9E2949B5801}"/>
               </a:ext>
             </a:extLst>
           </p:cNvPr>
@@ -1396,7 +1396,7 @@
           <a:bodyPr/>
           <a:lstStyle/>
           <a:p>
-            <a:fld id="{14F5FF05-E940-48E2-9459-CEB2004508D6}" type="datetimeFigureOut">
+            <a:fld id="{361F317A-CB4F-45EB-81F5-EDB89538586F}" type="datetimeFigureOut">
               <a:rPr lang="zh-CN" altLang="en-US" smtClean="0"/>
               <a:t>2024/3/10</a:t>
             </a:fld>
@@ -1409,7 +1409,7 @@
           <p:cNvPr id="6" name="页脚占位符 5">
             <a:extLst>
               <a:ext uri="{FF2B5EF4-FFF2-40B4-BE49-F238E27FC236}">
-                <a16:creationId xmlns:a16="http://schemas.microsoft.com/office/drawing/2014/main" id="{0A36BFC9-7A45-809B-03F5-E98C2B2CD0E4}"/>
+                <a16:creationId xmlns:a16="http://schemas.microsoft.com/office/drawing/2014/main" id="{496B6141-0093-7A0D-DE90-EB70950866C1}"/>
               </a:ext>
             </a:extLst>
           </p:cNvPr>
@@ -1434,7 +1434,7 @@
           <p:cNvPr id="7" name="灯片编号占位符 6">
             <a:extLst>
               <a:ext uri="{FF2B5EF4-FFF2-40B4-BE49-F238E27FC236}">
-                <a16:creationId xmlns:a16="http://schemas.microsoft.com/office/drawing/2014/main" id="{D7E247E4-C98E-A033-D0E3-12D88F19EF0A}"/>
+                <a16:creationId xmlns:a16="http://schemas.microsoft.com/office/drawing/2014/main" id="{5ED53855-389A-FFEF-6335-52FBD9612432}"/>
               </a:ext>
             </a:extLst>
           </p:cNvPr>
@@ -1450,7 +1450,7 @@
           <a:bodyPr/>
           <a:lstStyle/>
           <a:p>
-            <a:fld id="{559A1AD9-166B-49A6-B269-371F980C656F}" type="slidenum">
+            <a:fld id="{A43E1136-438F-4BF7-8D2A-A9583C8CF03C}" type="slidenum">
               <a:rPr lang="zh-CN" altLang="en-US" smtClean="0"/>
               <a:t>‹#›</a:t>
             </a:fld>
@@ -1461,7 +1461,7 @@
     </p:spTree>
     <p:extLst>
       <p:ext uri="{BB962C8B-B14F-4D97-AF65-F5344CB8AC3E}">
-        <p14:creationId xmlns:p14="http://schemas.microsoft.com/office/powerpoint/2010/main" val="461897291"/>
+        <p14:creationId xmlns:p14="http://schemas.microsoft.com/office/powerpoint/2010/main" val="1394083352"/>
       </p:ext>
     </p:extLst>
   </p:cSld>
@@ -1493,7 +1493,7 @@
           <p:cNvPr id="2" name="标题 1">
             <a:extLst>
               <a:ext uri="{FF2B5EF4-FFF2-40B4-BE49-F238E27FC236}">
-                <a16:creationId xmlns:a16="http://schemas.microsoft.com/office/drawing/2014/main" id="{9DA27C5B-01AE-AFD4-BA6E-E6781158F16D}"/>
+                <a16:creationId xmlns:a16="http://schemas.microsoft.com/office/drawing/2014/main" id="{56C151FE-9832-5386-36A6-95A0A609D3C1}"/>
               </a:ext>
             </a:extLst>
           </p:cNvPr>
@@ -1526,7 +1526,7 @@
           <p:cNvPr id="3" name="文本占位符 2">
             <a:extLst>
               <a:ext uri="{FF2B5EF4-FFF2-40B4-BE49-F238E27FC236}">
-                <a16:creationId xmlns:a16="http://schemas.microsoft.com/office/drawing/2014/main" id="{E3EFD824-6CA3-4D9D-1396-9C4B1F28BD66}"/>
+                <a16:creationId xmlns:a16="http://schemas.microsoft.com/office/drawing/2014/main" id="{304EEFF4-5398-D5E9-CBA5-2D6B4C51225C}"/>
               </a:ext>
             </a:extLst>
           </p:cNvPr>
@@ -1597,7 +1597,7 @@
           <p:cNvPr id="4" name="内容占位符 3">
             <a:extLst>
               <a:ext uri="{FF2B5EF4-FFF2-40B4-BE49-F238E27FC236}">
-                <a16:creationId xmlns:a16="http://schemas.microsoft.com/office/drawing/2014/main" id="{ABB196E9-41E8-C12C-7026-CE60CAFEE039}"/>
+                <a16:creationId xmlns:a16="http://schemas.microsoft.com/office/drawing/2014/main" id="{68FC3041-572A-155B-AEB9-76597362B3E0}"/>
               </a:ext>
             </a:extLst>
           </p:cNvPr>
@@ -1659,7 +1659,7 @@
           <p:cNvPr id="5" name="文本占位符 4">
             <a:extLst>
               <a:ext uri="{FF2B5EF4-FFF2-40B4-BE49-F238E27FC236}">
-                <a16:creationId xmlns:a16="http://schemas.microsoft.com/office/drawing/2014/main" id="{314E48DB-56B5-A93B-6DA5-93FA96F78BC2}"/>
+                <a16:creationId xmlns:a16="http://schemas.microsoft.com/office/drawing/2014/main" id="{834F426D-2C22-0EEE-38D4-876C67C2056E}"/>
               </a:ext>
             </a:extLst>
           </p:cNvPr>
@@ -1730,7 +1730,7 @@
           <p:cNvPr id="6" name="内容占位符 5">
             <a:extLst>
               <a:ext uri="{FF2B5EF4-FFF2-40B4-BE49-F238E27FC236}">
-                <a16:creationId xmlns:a16="http://schemas.microsoft.com/office/drawing/2014/main" id="{69D524F3-8C5A-48CD-D008-6FA135FE6DED}"/>
+                <a16:creationId xmlns:a16="http://schemas.microsoft.com/office/drawing/2014/main" id="{DB84B0E7-1FA6-E2B5-B9D9-BFFF3D9AF034}"/>
               </a:ext>
             </a:extLst>
           </p:cNvPr>
@@ -1792,7 +1792,7 @@
           <p:cNvPr id="7" name="日期占位符 6">
             <a:extLst>
               <a:ext uri="{FF2B5EF4-FFF2-40B4-BE49-F238E27FC236}">
-                <a16:creationId xmlns:a16="http://schemas.microsoft.com/office/drawing/2014/main" id="{4278AF7A-DC0B-782A-2207-EE9A65FAC25E}"/>
+                <a16:creationId xmlns:a16="http://schemas.microsoft.com/office/drawing/2014/main" id="{2A1FB74A-DF3D-980D-5162-FB1FB87E4AF1}"/>
               </a:ext>
             </a:extLst>
           </p:cNvPr>
@@ -1808,7 +1808,7 @@
           <a:bodyPr/>
           <a:lstStyle/>
           <a:p>
-            <a:fld id="{14F5FF05-E940-48E2-9459-CEB2004508D6}" type="datetimeFigureOut">
+            <a:fld id="{361F317A-CB4F-45EB-81F5-EDB89538586F}" type="datetimeFigureOut">
               <a:rPr lang="zh-CN" altLang="en-US" smtClean="0"/>
               <a:t>2024/3/10</a:t>
             </a:fld>
@@ -1821,7 +1821,7 @@
           <p:cNvPr id="8" name="页脚占位符 7">
             <a:extLst>
               <a:ext uri="{FF2B5EF4-FFF2-40B4-BE49-F238E27FC236}">
-                <a16:creationId xmlns:a16="http://schemas.microsoft.com/office/drawing/2014/main" id="{6092A9A9-B8B9-9718-E07B-F06549267728}"/>
+                <a16:creationId xmlns:a16="http://schemas.microsoft.com/office/drawing/2014/main" id="{6FEEF973-DF16-8375-59E7-5DC68562C6E8}"/>
               </a:ext>
             </a:extLst>
           </p:cNvPr>
@@ -1846,7 +1846,7 @@
           <p:cNvPr id="9" name="灯片编号占位符 8">
             <a:extLst>
               <a:ext uri="{FF2B5EF4-FFF2-40B4-BE49-F238E27FC236}">
-                <a16:creationId xmlns:a16="http://schemas.microsoft.com/office/drawing/2014/main" id="{CC2123E3-8ABE-C4CF-DE16-6AA0B286F9EF}"/>
+                <a16:creationId xmlns:a16="http://schemas.microsoft.com/office/drawing/2014/main" id="{6D2476EC-F2AE-7D04-4725-387B1BF49588}"/>
               </a:ext>
             </a:extLst>
           </p:cNvPr>
@@ -1862,7 +1862,7 @@
           <a:bodyPr/>
           <a:lstStyle/>
           <a:p>
-            <a:fld id="{559A1AD9-166B-49A6-B269-371F980C656F}" type="slidenum">
+            <a:fld id="{A43E1136-438F-4BF7-8D2A-A9583C8CF03C}" type="slidenum">
               <a:rPr lang="zh-CN" altLang="en-US" smtClean="0"/>
               <a:t>‹#›</a:t>
             </a:fld>
@@ -1873,7 +1873,7 @@
     </p:spTree>
     <p:extLst>
       <p:ext uri="{BB962C8B-B14F-4D97-AF65-F5344CB8AC3E}">
-        <p14:creationId xmlns:p14="http://schemas.microsoft.com/office/powerpoint/2010/main" val="3590452323"/>
+        <p14:creationId xmlns:p14="http://schemas.microsoft.com/office/powerpoint/2010/main" val="2872921792"/>
       </p:ext>
     </p:extLst>
   </p:cSld>
@@ -1905,7 +1905,7 @@
           <p:cNvPr id="2" name="标题 1">
             <a:extLst>
               <a:ext uri="{FF2B5EF4-FFF2-40B4-BE49-F238E27FC236}">
-                <a16:creationId xmlns:a16="http://schemas.microsoft.com/office/drawing/2014/main" id="{8C0DED28-5BFA-05DB-E1B0-7C0D3CCEF145}"/>
+                <a16:creationId xmlns:a16="http://schemas.microsoft.com/office/drawing/2014/main" id="{ABD93375-DE1B-3683-4040-80FAD6202987}"/>
               </a:ext>
             </a:extLst>
           </p:cNvPr>
@@ -1933,7 +1933,7 @@
           <p:cNvPr id="3" name="日期占位符 2">
             <a:extLst>
               <a:ext uri="{FF2B5EF4-FFF2-40B4-BE49-F238E27FC236}">
-                <a16:creationId xmlns:a16="http://schemas.microsoft.com/office/drawing/2014/main" id="{C8B59032-CFDD-A765-97AE-74A975D107FE}"/>
+                <a16:creationId xmlns:a16="http://schemas.microsoft.com/office/drawing/2014/main" id="{C8E11FD6-FD44-0A42-3889-01DE66892496}"/>
               </a:ext>
             </a:extLst>
           </p:cNvPr>
@@ -1949,7 +1949,7 @@
           <a:bodyPr/>
           <a:lstStyle/>
           <a:p>
-            <a:fld id="{14F5FF05-E940-48E2-9459-CEB2004508D6}" type="datetimeFigureOut">
+            <a:fld id="{361F317A-CB4F-45EB-81F5-EDB89538586F}" type="datetimeFigureOut">
               <a:rPr lang="zh-CN" altLang="en-US" smtClean="0"/>
               <a:t>2024/3/10</a:t>
             </a:fld>
@@ -1962,7 +1962,7 @@
           <p:cNvPr id="4" name="页脚占位符 3">
             <a:extLst>
               <a:ext uri="{FF2B5EF4-FFF2-40B4-BE49-F238E27FC236}">
-                <a16:creationId xmlns:a16="http://schemas.microsoft.com/office/drawing/2014/main" id="{D2A9B5C0-43CC-8D22-0A82-3A584B01A9F6}"/>
+                <a16:creationId xmlns:a16="http://schemas.microsoft.com/office/drawing/2014/main" id="{4AFB776F-0DD6-7FA1-1A8C-FCB4125745E9}"/>
               </a:ext>
             </a:extLst>
           </p:cNvPr>
@@ -1987,7 +1987,7 @@
           <p:cNvPr id="5" name="灯片编号占位符 4">
             <a:extLst>
               <a:ext uri="{FF2B5EF4-FFF2-40B4-BE49-F238E27FC236}">
-                <a16:creationId xmlns:a16="http://schemas.microsoft.com/office/drawing/2014/main" id="{BE8DD091-7659-93CF-A872-67F0D4DB45AC}"/>
+                <a16:creationId xmlns:a16="http://schemas.microsoft.com/office/drawing/2014/main" id="{43518F98-CB03-7E54-DBFE-4C1E3CDC9863}"/>
               </a:ext>
             </a:extLst>
           </p:cNvPr>
@@ -2003,7 +2003,7 @@
           <a:bodyPr/>
           <a:lstStyle/>
           <a:p>
-            <a:fld id="{559A1AD9-166B-49A6-B269-371F980C656F}" type="slidenum">
+            <a:fld id="{A43E1136-438F-4BF7-8D2A-A9583C8CF03C}" type="slidenum">
               <a:rPr lang="zh-CN" altLang="en-US" smtClean="0"/>
               <a:t>‹#›</a:t>
             </a:fld>
@@ -2014,7 +2014,7 @@
     </p:spTree>
     <p:extLst>
       <p:ext uri="{BB962C8B-B14F-4D97-AF65-F5344CB8AC3E}">
-        <p14:creationId xmlns:p14="http://schemas.microsoft.com/office/powerpoint/2010/main" val="888839545"/>
+        <p14:creationId xmlns:p14="http://schemas.microsoft.com/office/powerpoint/2010/main" val="2400988596"/>
       </p:ext>
     </p:extLst>
   </p:cSld>
@@ -2046,7 +2046,7 @@
           <p:cNvPr id="2" name="日期占位符 1">
             <a:extLst>
               <a:ext uri="{FF2B5EF4-FFF2-40B4-BE49-F238E27FC236}">
-                <a16:creationId xmlns:a16="http://schemas.microsoft.com/office/drawing/2014/main" id="{B93C1A76-74ED-977A-BD45-747C38547C24}"/>
+                <a16:creationId xmlns:a16="http://schemas.microsoft.com/office/drawing/2014/main" id="{44AC45D8-02DC-EFA3-ECF0-075A88B1307E}"/>
               </a:ext>
             </a:extLst>
           </p:cNvPr>
@@ -2062,7 +2062,7 @@
           <a:bodyPr/>
           <a:lstStyle/>
           <a:p>
-            <a:fld id="{14F5FF05-E940-48E2-9459-CEB2004508D6}" type="datetimeFigureOut">
+            <a:fld id="{361F317A-CB4F-45EB-81F5-EDB89538586F}" type="datetimeFigureOut">
               <a:rPr lang="zh-CN" altLang="en-US" smtClean="0"/>
               <a:t>2024/3/10</a:t>
             </a:fld>
@@ -2075,7 +2075,7 @@
           <p:cNvPr id="3" name="页脚占位符 2">
             <a:extLst>
               <a:ext uri="{FF2B5EF4-FFF2-40B4-BE49-F238E27FC236}">
-                <a16:creationId xmlns:a16="http://schemas.microsoft.com/office/drawing/2014/main" id="{1EA5E5D4-12E5-265C-163C-60D983F80EF5}"/>
+                <a16:creationId xmlns:a16="http://schemas.microsoft.com/office/drawing/2014/main" id="{9F8B11A6-6585-4C64-CA8C-359A7508FC0F}"/>
               </a:ext>
             </a:extLst>
           </p:cNvPr>
@@ -2100,7 +2100,7 @@
           <p:cNvPr id="4" name="灯片编号占位符 3">
             <a:extLst>
               <a:ext uri="{FF2B5EF4-FFF2-40B4-BE49-F238E27FC236}">
-                <a16:creationId xmlns:a16="http://schemas.microsoft.com/office/drawing/2014/main" id="{F3376251-C58C-AB68-12FF-BB15FE5C53F1}"/>
+                <a16:creationId xmlns:a16="http://schemas.microsoft.com/office/drawing/2014/main" id="{9DC09E99-29B5-6217-B765-0FCC7807D21C}"/>
               </a:ext>
             </a:extLst>
           </p:cNvPr>
@@ -2116,7 +2116,7 @@
           <a:bodyPr/>
           <a:lstStyle/>
           <a:p>
-            <a:fld id="{559A1AD9-166B-49A6-B269-371F980C656F}" type="slidenum">
+            <a:fld id="{A43E1136-438F-4BF7-8D2A-A9583C8CF03C}" type="slidenum">
               <a:rPr lang="zh-CN" altLang="en-US" smtClean="0"/>
               <a:t>‹#›</a:t>
             </a:fld>
@@ -2127,7 +2127,7 @@
     </p:spTree>
     <p:extLst>
       <p:ext uri="{BB962C8B-B14F-4D97-AF65-F5344CB8AC3E}">
-        <p14:creationId xmlns:p14="http://schemas.microsoft.com/office/powerpoint/2010/main" val="1872116285"/>
+        <p14:creationId xmlns:p14="http://schemas.microsoft.com/office/powerpoint/2010/main" val="1353015372"/>
       </p:ext>
     </p:extLst>
   </p:cSld>
@@ -2159,7 +2159,7 @@
           <p:cNvPr id="2" name="标题 1">
             <a:extLst>
               <a:ext uri="{FF2B5EF4-FFF2-40B4-BE49-F238E27FC236}">
-                <a16:creationId xmlns:a16="http://schemas.microsoft.com/office/drawing/2014/main" id="{BC2BB910-955D-A48F-4A37-54787E862ABA}"/>
+                <a16:creationId xmlns:a16="http://schemas.microsoft.com/office/drawing/2014/main" id="{A8AE3382-87E5-B5CC-7261-85606A39C4CD}"/>
               </a:ext>
             </a:extLst>
           </p:cNvPr>
@@ -2196,7 +2196,7 @@
           <p:cNvPr id="3" name="内容占位符 2">
             <a:extLst>
               <a:ext uri="{FF2B5EF4-FFF2-40B4-BE49-F238E27FC236}">
-                <a16:creationId xmlns:a16="http://schemas.microsoft.com/office/drawing/2014/main" id="{84313C91-6EA3-6D70-C3F9-296E7613A319}"/>
+                <a16:creationId xmlns:a16="http://schemas.microsoft.com/office/drawing/2014/main" id="{5E374AF5-9CFA-8638-E0DE-EC6A7C920AA2}"/>
               </a:ext>
             </a:extLst>
           </p:cNvPr>
@@ -2286,7 +2286,7 @@
           <p:cNvPr id="4" name="文本占位符 3">
             <a:extLst>
               <a:ext uri="{FF2B5EF4-FFF2-40B4-BE49-F238E27FC236}">
-                <a16:creationId xmlns:a16="http://schemas.microsoft.com/office/drawing/2014/main" id="{138D434D-8A1C-3216-5542-81C510B06489}"/>
+                <a16:creationId xmlns:a16="http://schemas.microsoft.com/office/drawing/2014/main" id="{0703A366-5F65-1B03-5FF6-D95C8CD37F8D}"/>
               </a:ext>
             </a:extLst>
           </p:cNvPr>
@@ -2357,7 +2357,7 @@
           <p:cNvPr id="5" name="日期占位符 4">
             <a:extLst>
               <a:ext uri="{FF2B5EF4-FFF2-40B4-BE49-F238E27FC236}">
-                <a16:creationId xmlns:a16="http://schemas.microsoft.com/office/drawing/2014/main" id="{014C7204-F55F-32AC-A321-9B3A42103F7A}"/>
+                <a16:creationId xmlns:a16="http://schemas.microsoft.com/office/drawing/2014/main" id="{88C8AE05-A7E5-4DD8-580F-166BB59D052C}"/>
               </a:ext>
             </a:extLst>
           </p:cNvPr>
@@ -2373,7 +2373,7 @@
           <a:bodyPr/>
           <a:lstStyle/>
           <a:p>
-            <a:fld id="{14F5FF05-E940-48E2-9459-CEB2004508D6}" type="datetimeFigureOut">
+            <a:fld id="{361F317A-CB4F-45EB-81F5-EDB89538586F}" type="datetimeFigureOut">
               <a:rPr lang="zh-CN" altLang="en-US" smtClean="0"/>
               <a:t>2024/3/10</a:t>
             </a:fld>
@@ -2386,7 +2386,7 @@
           <p:cNvPr id="6" name="页脚占位符 5">
             <a:extLst>
               <a:ext uri="{FF2B5EF4-FFF2-40B4-BE49-F238E27FC236}">
-                <a16:creationId xmlns:a16="http://schemas.microsoft.com/office/drawing/2014/main" id="{C6E164AB-E7C6-F2DC-29FC-D8902F0A9F26}"/>
+                <a16:creationId xmlns:a16="http://schemas.microsoft.com/office/drawing/2014/main" id="{C6A84125-001A-21D8-49C1-63B87FE0DB97}"/>
               </a:ext>
             </a:extLst>
           </p:cNvPr>
@@ -2411,7 +2411,7 @@
           <p:cNvPr id="7" name="灯片编号占位符 6">
             <a:extLst>
               <a:ext uri="{FF2B5EF4-FFF2-40B4-BE49-F238E27FC236}">
-                <a16:creationId xmlns:a16="http://schemas.microsoft.com/office/drawing/2014/main" id="{A7D7C334-7417-86FF-61D3-7AAE82797F60}"/>
+                <a16:creationId xmlns:a16="http://schemas.microsoft.com/office/drawing/2014/main" id="{0305F69A-54A2-1D80-4635-215D2124B4FF}"/>
               </a:ext>
             </a:extLst>
           </p:cNvPr>
@@ -2427,7 +2427,7 @@
           <a:bodyPr/>
           <a:lstStyle/>
           <a:p>
-            <a:fld id="{559A1AD9-166B-49A6-B269-371F980C656F}" type="slidenum">
+            <a:fld id="{A43E1136-438F-4BF7-8D2A-A9583C8CF03C}" type="slidenum">
               <a:rPr lang="zh-CN" altLang="en-US" smtClean="0"/>
               <a:t>‹#›</a:t>
             </a:fld>
@@ -2438,7 +2438,7 @@
     </p:spTree>
     <p:extLst>
       <p:ext uri="{BB962C8B-B14F-4D97-AF65-F5344CB8AC3E}">
-        <p14:creationId xmlns:p14="http://schemas.microsoft.com/office/powerpoint/2010/main" val="3855092548"/>
+        <p14:creationId xmlns:p14="http://schemas.microsoft.com/office/powerpoint/2010/main" val="3952741356"/>
       </p:ext>
     </p:extLst>
   </p:cSld>
@@ -2470,7 +2470,7 @@
           <p:cNvPr id="2" name="标题 1">
             <a:extLst>
               <a:ext uri="{FF2B5EF4-FFF2-40B4-BE49-F238E27FC236}">
-                <a16:creationId xmlns:a16="http://schemas.microsoft.com/office/drawing/2014/main" id="{CAA893DD-CF7B-A9B8-2533-1EBF9A1D6C42}"/>
+                <a16:creationId xmlns:a16="http://schemas.microsoft.com/office/drawing/2014/main" id="{C31A455B-E11E-F877-46B4-D4F476595ED6}"/>
               </a:ext>
             </a:extLst>
           </p:cNvPr>
@@ -2507,7 +2507,7 @@
           <p:cNvPr id="3" name="图片占位符 2">
             <a:extLst>
               <a:ext uri="{FF2B5EF4-FFF2-40B4-BE49-F238E27FC236}">
-                <a16:creationId xmlns:a16="http://schemas.microsoft.com/office/drawing/2014/main" id="{605D4E6F-14CD-CE0F-B04E-E455DD0FE627}"/>
+                <a16:creationId xmlns:a16="http://schemas.microsoft.com/office/drawing/2014/main" id="{16E31E5E-CBBD-4EE7-7A7B-A6CAF834E48B}"/>
               </a:ext>
             </a:extLst>
           </p:cNvPr>
@@ -2574,7 +2574,7 @@
           <p:cNvPr id="4" name="文本占位符 3">
             <a:extLst>
               <a:ext uri="{FF2B5EF4-FFF2-40B4-BE49-F238E27FC236}">
-                <a16:creationId xmlns:a16="http://schemas.microsoft.com/office/drawing/2014/main" id="{D62D3514-E116-3891-B790-775CA1E7F420}"/>
+                <a16:creationId xmlns:a16="http://schemas.microsoft.com/office/drawing/2014/main" id="{943A0A63-D90F-DB71-567C-5FA4DC01E84A}"/>
               </a:ext>
             </a:extLst>
           </p:cNvPr>
@@ -2645,7 +2645,7 @@
           <p:cNvPr id="5" name="日期占位符 4">
             <a:extLst>
               <a:ext uri="{FF2B5EF4-FFF2-40B4-BE49-F238E27FC236}">
-                <a16:creationId xmlns:a16="http://schemas.microsoft.com/office/drawing/2014/main" id="{ED83FBD1-5A9D-6E80-318F-DE443E9E2EA3}"/>
+                <a16:creationId xmlns:a16="http://schemas.microsoft.com/office/drawing/2014/main" id="{DD8DC83D-4261-E83A-5802-B27D55BF60A1}"/>
               </a:ext>
             </a:extLst>
           </p:cNvPr>
@@ -2661,7 +2661,7 @@
           <a:bodyPr/>
           <a:lstStyle/>
           <a:p>
-            <a:fld id="{14F5FF05-E940-48E2-9459-CEB2004508D6}" type="datetimeFigureOut">
+            <a:fld id="{361F317A-CB4F-45EB-81F5-EDB89538586F}" type="datetimeFigureOut">
               <a:rPr lang="zh-CN" altLang="en-US" smtClean="0"/>
               <a:t>2024/3/10</a:t>
             </a:fld>
@@ -2674,7 +2674,7 @@
           <p:cNvPr id="6" name="页脚占位符 5">
             <a:extLst>
               <a:ext uri="{FF2B5EF4-FFF2-40B4-BE49-F238E27FC236}">
-                <a16:creationId xmlns:a16="http://schemas.microsoft.com/office/drawing/2014/main" id="{52F6B5A1-F5ED-EDC1-BBEC-54A3E6100835}"/>
+                <a16:creationId xmlns:a16="http://schemas.microsoft.com/office/drawing/2014/main" id="{0659C137-A5C7-611F-0ABF-91952F464F38}"/>
               </a:ext>
             </a:extLst>
           </p:cNvPr>
@@ -2699,7 +2699,7 @@
           <p:cNvPr id="7" name="灯片编号占位符 6">
             <a:extLst>
               <a:ext uri="{FF2B5EF4-FFF2-40B4-BE49-F238E27FC236}">
-                <a16:creationId xmlns:a16="http://schemas.microsoft.com/office/drawing/2014/main" id="{9C4CF478-96D2-38E8-6134-D62B2DB1427E}"/>
+                <a16:creationId xmlns:a16="http://schemas.microsoft.com/office/drawing/2014/main" id="{8B6BD55D-6541-36C0-BD64-BB5A6A5651E3}"/>
               </a:ext>
             </a:extLst>
           </p:cNvPr>
@@ -2715,7 +2715,7 @@
           <a:bodyPr/>
           <a:lstStyle/>
           <a:p>
-            <a:fld id="{559A1AD9-166B-49A6-B269-371F980C656F}" type="slidenum">
+            <a:fld id="{A43E1136-438F-4BF7-8D2A-A9583C8CF03C}" type="slidenum">
               <a:rPr lang="zh-CN" altLang="en-US" smtClean="0"/>
               <a:t>‹#›</a:t>
             </a:fld>
@@ -2726,7 +2726,7 @@
     </p:spTree>
     <p:extLst>
       <p:ext uri="{BB962C8B-B14F-4D97-AF65-F5344CB8AC3E}">
-        <p14:creationId xmlns:p14="http://schemas.microsoft.com/office/powerpoint/2010/main" val="2644030489"/>
+        <p14:creationId xmlns:p14="http://schemas.microsoft.com/office/powerpoint/2010/main" val="2169850433"/>
       </p:ext>
     </p:extLst>
   </p:cSld>
@@ -2763,7 +2763,7 @@
           <p:cNvPr id="2" name="标题占位符 1">
             <a:extLst>
               <a:ext uri="{FF2B5EF4-FFF2-40B4-BE49-F238E27FC236}">
-                <a16:creationId xmlns:a16="http://schemas.microsoft.com/office/drawing/2014/main" id="{5C48C089-3CE4-0DFD-39BF-A667A1F40D4F}"/>
+                <a16:creationId xmlns:a16="http://schemas.microsoft.com/office/drawing/2014/main" id="{D752F65C-7B45-0D3F-5408-2AAEBD4CC589}"/>
               </a:ext>
             </a:extLst>
           </p:cNvPr>
@@ -2801,7 +2801,7 @@
           <p:cNvPr id="3" name="文本占位符 2">
             <a:extLst>
               <a:ext uri="{FF2B5EF4-FFF2-40B4-BE49-F238E27FC236}">
-                <a16:creationId xmlns:a16="http://schemas.microsoft.com/office/drawing/2014/main" id="{C67BFD97-9D80-5282-66CC-A1D42CBDF562}"/>
+                <a16:creationId xmlns:a16="http://schemas.microsoft.com/office/drawing/2014/main" id="{5FD10B4D-38F6-65F2-1E0A-45821195A845}"/>
               </a:ext>
             </a:extLst>
           </p:cNvPr>
@@ -2868,7 +2868,7 @@
           <p:cNvPr id="4" name="日期占位符 3">
             <a:extLst>
               <a:ext uri="{FF2B5EF4-FFF2-40B4-BE49-F238E27FC236}">
-                <a16:creationId xmlns:a16="http://schemas.microsoft.com/office/drawing/2014/main" id="{DDCAD313-84B8-75CF-04C3-F8977B290F83}"/>
+                <a16:creationId xmlns:a16="http://schemas.microsoft.com/office/drawing/2014/main" id="{E1EB4E86-6A89-C87B-FE67-6CC58E9E5BF4}"/>
               </a:ext>
             </a:extLst>
           </p:cNvPr>
@@ -2902,7 +2902,7 @@
             </a:lvl1pPr>
           </a:lstStyle>
           <a:p>
-            <a:fld id="{14F5FF05-E940-48E2-9459-CEB2004508D6}" type="datetimeFigureOut">
+            <a:fld id="{361F317A-CB4F-45EB-81F5-EDB89538586F}" type="datetimeFigureOut">
               <a:rPr lang="zh-CN" altLang="en-US" smtClean="0"/>
               <a:t>2024/3/10</a:t>
             </a:fld>
@@ -2915,7 +2915,7 @@
           <p:cNvPr id="5" name="页脚占位符 4">
             <a:extLst>
               <a:ext uri="{FF2B5EF4-FFF2-40B4-BE49-F238E27FC236}">
-                <a16:creationId xmlns:a16="http://schemas.microsoft.com/office/drawing/2014/main" id="{36F10D9E-03F1-A673-EC3D-443FDACFB72B}"/>
+                <a16:creationId xmlns:a16="http://schemas.microsoft.com/office/drawing/2014/main" id="{631F4D6C-D993-A4E8-954F-D0EC1A21F3AC}"/>
               </a:ext>
             </a:extLst>
           </p:cNvPr>
@@ -2958,7 +2958,7 @@
           <p:cNvPr id="6" name="灯片编号占位符 5">
             <a:extLst>
               <a:ext uri="{FF2B5EF4-FFF2-40B4-BE49-F238E27FC236}">
-                <a16:creationId xmlns:a16="http://schemas.microsoft.com/office/drawing/2014/main" id="{0B45DCDF-9785-DF00-C5F3-AF2DB7816B94}"/>
+                <a16:creationId xmlns:a16="http://schemas.microsoft.com/office/drawing/2014/main" id="{D892716F-8DE4-B2B3-C9CB-DBC735832422}"/>
               </a:ext>
             </a:extLst>
           </p:cNvPr>
@@ -2992,7 +2992,7 @@
             </a:lvl1pPr>
           </a:lstStyle>
           <a:p>
-            <a:fld id="{559A1AD9-166B-49A6-B269-371F980C656F}" type="slidenum">
+            <a:fld id="{A43E1136-438F-4BF7-8D2A-A9583C8CF03C}" type="slidenum">
               <a:rPr lang="zh-CN" altLang="en-US" smtClean="0"/>
               <a:t>‹#›</a:t>
             </a:fld>
@@ -3003,7 +3003,7 @@
     </p:spTree>
     <p:extLst>
       <p:ext uri="{BB962C8B-B14F-4D97-AF65-F5344CB8AC3E}">
-        <p14:creationId xmlns:p14="http://schemas.microsoft.com/office/powerpoint/2010/main" val="808042305"/>
+        <p14:creationId xmlns:p14="http://schemas.microsoft.com/office/powerpoint/2010/main" val="1763247468"/>
       </p:ext>
     </p:extLst>
   </p:cSld>
@@ -3323,7 +3323,7 @@
       </p:grpSpPr>
       <p:pic>
         <p:nvPicPr>
-          <p:cNvPr id="1526786" name="Picture 2" descr="1490"/>
+          <p:cNvPr id="1527810" name="Picture 2" descr="1491"/>
           <p:cNvPicPr>
             <a:picLocks noChangeAspect="1" noChangeArrowheads="1"/>
           </p:cNvPicPr>
@@ -3344,8 +3344,8 @@
         </p:blipFill>
         <p:spPr bwMode="auto">
           <a:xfrm>
-            <a:off x="1524000" y="0"/>
-            <a:ext cx="9144000" cy="5805488"/>
+            <a:off x="1524000" y="1"/>
+            <a:ext cx="9144000" cy="6735763"/>
           </a:xfrm>
           <a:prstGeom prst="rect">
             <a:avLst/>
@@ -3375,11 +3375,158 @@
           </a:extLst>
         </p:spPr>
       </p:pic>
+      <p:pic>
+        <p:nvPicPr>
+          <p:cNvPr id="1528835" name="Picture 3" descr="1491-2"/>
+          <p:cNvPicPr>
+            <a:picLocks noChangeAspect="1" noChangeArrowheads="1"/>
+          </p:cNvPicPr>
+          <p:nvPr/>
+        </p:nvPicPr>
+        <p:blipFill>
+          <a:blip r:embed="rId3">
+            <a:extLst>
+              <a:ext uri="{28A0092B-C50C-407E-A947-70E740481C1C}">
+                <a14:useLocalDpi xmlns:a14="http://schemas.microsoft.com/office/drawing/2010/main" val="0"/>
+              </a:ext>
+            </a:extLst>
+          </a:blip>
+          <a:srcRect/>
+          <a:stretch>
+            <a:fillRect/>
+          </a:stretch>
+        </p:blipFill>
+        <p:spPr bwMode="auto">
+          <a:xfrm>
+            <a:off x="1524001" y="1"/>
+            <a:ext cx="9197975" cy="6899275"/>
+          </a:xfrm>
+          <a:prstGeom prst="rect">
+            <a:avLst/>
+          </a:prstGeom>
+          <a:noFill/>
+          <a:ln>
+            <a:noFill/>
+          </a:ln>
+          <a:effectLst/>
+          <a:extLst>
+            <a:ext uri="{909E8E84-426E-40DD-AFC4-6F175D3DCCD1}">
+              <a14:hiddenFill xmlns:a14="http://schemas.microsoft.com/office/drawing/2010/main">
+                <a:solidFill>
+                  <a:srgbClr val="FFFFFF"/>
+                </a:solidFill>
+              </a14:hiddenFill>
+            </a:ext>
+            <a:ext uri="{91240B29-F687-4F45-9708-019B960494DF}">
+              <a14:hiddenLine xmlns:a14="http://schemas.microsoft.com/office/drawing/2010/main" w="9525">
+                <a:solidFill>
+                  <a:srgbClr val="000000"/>
+                </a:solidFill>
+                <a:miter lim="800000"/>
+                <a:headEnd/>
+                <a:tailEnd/>
+              </a14:hiddenLine>
+            </a:ext>
+            <a:ext uri="{AF507438-7753-43E0-B8FC-AC1667EBCBE1}">
+              <a14:hiddenEffects xmlns:a14="http://schemas.microsoft.com/office/drawing/2010/main">
+                <a:effectLst>
+                  <a:outerShdw dist="35921" dir="2700000" algn="ctr" rotWithShape="0">
+                    <a:srgbClr val="808080"/>
+                  </a:outerShdw>
+                </a:effectLst>
+              </a14:hiddenEffects>
+            </a:ext>
+          </a:extLst>
+        </p:spPr>
+      </p:pic>
     </p:spTree>
   </p:cSld>
   <p:clrMapOvr>
     <a:masterClrMapping/>
   </p:clrMapOvr>
+  <p:timing>
+    <p:tnLst>
+      <p:par>
+        <p:cTn id="1" dur="indefinite" restart="never" nodeType="tmRoot">
+          <p:childTnLst>
+            <p:seq concurrent="1" nextAc="seek">
+              <p:cTn id="2" dur="indefinite" nodeType="mainSeq">
+                <p:childTnLst>
+                  <p:par>
+                    <p:cTn id="3" fill="hold" nodeType="clickPar">
+                      <p:stCondLst>
+                        <p:cond delay="indefinite"/>
+                      </p:stCondLst>
+                      <p:childTnLst>
+                        <p:par>
+                          <p:cTn id="4" fill="hold" nodeType="withGroup">
+                            <p:stCondLst>
+                              <p:cond delay="0"/>
+                            </p:stCondLst>
+                            <p:childTnLst>
+                              <p:par>
+                                <p:cTn id="5" presetID="10" presetClass="entr" presetSubtype="0" fill="hold" nodeType="clickEffect">
+                                  <p:stCondLst>
+                                    <p:cond delay="0"/>
+                                  </p:stCondLst>
+                                  <p:childTnLst>
+                                    <p:set>
+                                      <p:cBhvr>
+                                        <p:cTn id="6" dur="1" fill="hold">
+                                          <p:stCondLst>
+                                            <p:cond delay="0"/>
+                                          </p:stCondLst>
+                                        </p:cTn>
+                                        <p:tgtEl>
+                                          <p:spTgt spid="1528835"/>
+                                        </p:tgtEl>
+                                        <p:attrNameLst>
+                                          <p:attrName>style.visibility</p:attrName>
+                                        </p:attrNameLst>
+                                      </p:cBhvr>
+                                      <p:to>
+                                        <p:strVal val="visible"/>
+                                      </p:to>
+                                    </p:set>
+                                    <p:animEffect transition="in" filter="fade">
+                                      <p:cBhvr>
+                                        <p:cTn id="7" dur="500"/>
+                                        <p:tgtEl>
+                                          <p:spTgt spid="1528835"/>
+                                        </p:tgtEl>
+                                      </p:cBhvr>
+                                    </p:animEffect>
+                                  </p:childTnLst>
+                                </p:cTn>
+                              </p:par>
+                            </p:childTnLst>
+                          </p:cTn>
+                        </p:par>
+                      </p:childTnLst>
+                    </p:cTn>
+                  </p:par>
+                </p:childTnLst>
+              </p:cTn>
+              <p:prevCondLst>
+                <p:cond evt="onPrev" delay="0">
+                  <p:tgtEl>
+                    <p:sldTgt/>
+                  </p:tgtEl>
+                </p:cond>
+              </p:prevCondLst>
+              <p:nextCondLst>
+                <p:cond evt="onNext" delay="0">
+                  <p:tgtEl>
+                    <p:sldTgt/>
+                  </p:tgtEl>
+                </p:cond>
+              </p:nextCondLst>
+            </p:seq>
+          </p:childTnLst>
+        </p:cTn>
+      </p:par>
+    </p:tnLst>
+  </p:timing>
 </p:sld>
 </file>
 
